--- a/Reference/ROS/Working with ROS service.pptx
+++ b/Reference/ROS/Working with ROS service.pptx
@@ -14,7 +14,8 @@
     <p:sldId id="262" r:id="rId8"/>
     <p:sldId id="263" r:id="rId9"/>
     <p:sldId id="264" r:id="rId10"/>
-    <p:sldId id="265" r:id="rId11"/>
+    <p:sldId id="266" r:id="rId11"/>
+    <p:sldId id="265" r:id="rId12"/>
   </p:sldIdLst>
   <p:sldSz cx="12192000" cy="6858000"/>
   <p:notesSz cx="6858000" cy="9144000"/>
@@ -284,7 +285,7 @@
           <a:p>
             <a:fld id="{1160EA64-D806-43AC-9DF2-F8C432F32B4C}" type="datetimeFigureOut">
               <a:rPr lang="en-US" dirty="0"/>
-              <a:t>6/20/2019</a:t>
+              <a:t>6/26/2019</a:t>
             </a:fld>
             <a:endParaRPr lang="en-US" dirty="0"/>
           </a:p>
@@ -450,7 +451,7 @@
           <a:p>
             <a:fld id="{E9F9C37B-1D36-470B-8223-D6C91242EC14}" type="datetimeFigureOut">
               <a:rPr lang="en-US" dirty="0"/>
-              <a:t>6/20/2019</a:t>
+              <a:t>6/26/2019</a:t>
             </a:fld>
             <a:endParaRPr lang="en-US" dirty="0"/>
           </a:p>
@@ -625,7 +626,7 @@
           <a:p>
             <a:fld id="{67C6F52A-A82B-47A2-A83A-8C4C91F2D59F}" type="datetimeFigureOut">
               <a:rPr lang="en-US" dirty="0"/>
-              <a:t>6/20/2019</a:t>
+              <a:t>6/26/2019</a:t>
             </a:fld>
             <a:endParaRPr lang="en-US" dirty="0"/>
           </a:p>
@@ -790,7 +791,7 @@
           <a:p>
             <a:fld id="{F070A7B3-6521-4DCA-87E5-044747A908C1}" type="datetimeFigureOut">
               <a:rPr lang="en-US" dirty="0"/>
-              <a:t>6/20/2019</a:t>
+              <a:t>6/26/2019</a:t>
             </a:fld>
             <a:endParaRPr lang="en-US" dirty="0"/>
           </a:p>
@@ -1054,7 +1055,7 @@
           <a:p>
             <a:fld id="{1160EA64-D806-43AC-9DF2-F8C432F32B4C}" type="datetimeFigureOut">
               <a:rPr lang="en-US" dirty="0"/>
-              <a:t>6/20/2019</a:t>
+              <a:t>6/26/2019</a:t>
             </a:fld>
             <a:endParaRPr lang="en-US" dirty="0"/>
           </a:p>
@@ -1282,7 +1283,7 @@
           <a:p>
             <a:fld id="{AB134690-1557-4C89-A502-4959FE7FAD70}" type="datetimeFigureOut">
               <a:rPr lang="en-US" dirty="0"/>
-              <a:t>6/20/2019</a:t>
+              <a:t>6/26/2019</a:t>
             </a:fld>
             <a:endParaRPr lang="en-US" dirty="0"/>
           </a:p>
@@ -1636,7 +1637,7 @@
           <a:p>
             <a:fld id="{4F7D4976-E339-4826-83B7-FBD03F55ECF8}" type="datetimeFigureOut">
               <a:rPr lang="en-US" dirty="0"/>
-              <a:t>6/20/2019</a:t>
+              <a:t>6/26/2019</a:t>
             </a:fld>
             <a:endParaRPr lang="en-US" dirty="0"/>
           </a:p>
@@ -1772,7 +1773,7 @@
           <a:p>
             <a:fld id="{E1037C31-9E7A-4F99-8774-A0E530DE1A42}" type="datetimeFigureOut">
               <a:rPr lang="en-US" dirty="0"/>
-              <a:t>6/20/2019</a:t>
+              <a:t>6/26/2019</a:t>
             </a:fld>
             <a:endParaRPr lang="en-US" dirty="0"/>
           </a:p>
@@ -1862,7 +1863,7 @@
           <a:p>
             <a:fld id="{C278504F-A551-4DE0-9316-4DCD1D8CC752}" type="datetimeFigureOut">
               <a:rPr lang="en-US" dirty="0"/>
-              <a:t>6/20/2019</a:t>
+              <a:t>6/26/2019</a:t>
             </a:fld>
             <a:endParaRPr lang="en-US" dirty="0"/>
           </a:p>
@@ -2214,7 +2215,7 @@
           <a:p>
             <a:fld id="{D1BE4249-C0D0-4B06-8692-E8BB871AF643}" type="datetimeFigureOut">
               <a:rPr lang="en-US" dirty="0"/>
-              <a:t>6/20/2019</a:t>
+              <a:t>6/26/2019</a:t>
             </a:fld>
             <a:endParaRPr lang="en-US" dirty="0"/>
           </a:p>
@@ -2566,7 +2567,7 @@
           <a:p>
             <a:fld id="{042B0DB6-F5C7-45FB-8CF3-31B45F9C2DAC}" type="datetimeFigureOut">
               <a:rPr lang="en-US" dirty="0"/>
-              <a:t>6/20/2019</a:t>
+              <a:t>6/26/2019</a:t>
             </a:fld>
             <a:endParaRPr lang="en-US" dirty="0"/>
           </a:p>
@@ -2802,7 +2803,7 @@
           <a:p>
             <a:fld id="{1160EA64-D806-43AC-9DF2-F8C432F32B4C}" type="datetimeFigureOut">
               <a:rPr lang="en-US" dirty="0"/>
-              <a:t>6/20/2019</a:t>
+              <a:t>6/26/2019</a:t>
             </a:fld>
             <a:endParaRPr lang="en-US" dirty="0"/>
           </a:p>
@@ -3303,6 +3304,16 @@
 <file path=ppt/slides/slide10.xml><?xml version="1.0" encoding="utf-8"?>
 <p:sld xmlns:a="http://schemas.openxmlformats.org/drawingml/2006/main" xmlns:r="http://schemas.openxmlformats.org/officeDocument/2006/relationships" xmlns:p="http://schemas.openxmlformats.org/presentationml/2006/main">
   <p:cSld>
+    <p:bg>
+      <p:bgPr>
+        <a:solidFill>
+          <a:schemeClr val="bg1">
+            <a:lumMod val="95000"/>
+          </a:schemeClr>
+        </a:solidFill>
+        <a:effectLst/>
+      </p:bgPr>
+    </p:bg>
     <p:spTree>
       <p:nvGrpSpPr>
         <p:cNvPr id="1" name=""/>
@@ -3322,6 +3333,143 @@
           <p:cNvPr id="2" name="Title 1">
             <a:extLst>
               <a:ext uri="{FF2B5EF4-FFF2-40B4-BE49-F238E27FC236}">
+                <a16:creationId xmlns:a16="http://schemas.microsoft.com/office/drawing/2014/main" id="{4B20244E-4A17-4511-A873-5CAF43C5A092}"/>
+              </a:ext>
+            </a:extLst>
+          </p:cNvPr>
+          <p:cNvSpPr>
+            <a:spLocks noGrp="1"/>
+          </p:cNvSpPr>
+          <p:nvPr>
+            <p:ph type="title"/>
+          </p:nvPr>
+        </p:nvSpPr>
+        <p:spPr>
+          <a:xfrm>
+            <a:off x="640079" y="640079"/>
+            <a:ext cx="3402531" cy="5272242"/>
+          </a:xfrm>
+        </p:spPr>
+        <p:txBody>
+          <a:bodyPr>
+            <a:normAutofit/>
+          </a:bodyPr>
+          <a:lstStyle/>
+          <a:p>
+            <a:r>
+              <a:rPr lang="en-US"/>
+              <a:t>Working with ros server</a:t>
+            </a:r>
+            <a:endParaRPr lang="en-US" dirty="0"/>
+          </a:p>
+        </p:txBody>
+      </p:sp>
+      <p:sp>
+        <p:nvSpPr>
+          <p:cNvPr id="16" name="Content Placeholder 8">
+            <a:extLst>
+              <a:ext uri="{FF2B5EF4-FFF2-40B4-BE49-F238E27FC236}">
+                <a16:creationId xmlns:a16="http://schemas.microsoft.com/office/drawing/2014/main" id="{C8BB8A72-35E8-415A-BE1E-DF8432BB2A1E}"/>
+              </a:ext>
+            </a:extLst>
+          </p:cNvPr>
+          <p:cNvSpPr>
+            <a:spLocks noGrp="1"/>
+          </p:cNvSpPr>
+          <p:nvPr>
+            <p:ph idx="1"/>
+          </p:nvPr>
+        </p:nvSpPr>
+        <p:spPr>
+          <a:xfrm>
+            <a:off x="4672103" y="640079"/>
+            <a:ext cx="6883072" cy="2834737"/>
+          </a:xfrm>
+        </p:spPr>
+        <p:txBody>
+          <a:bodyPr>
+            <a:normAutofit/>
+          </a:bodyPr>
+          <a:lstStyle/>
+          <a:p>
+            <a:r>
+              <a:rPr lang="en-US" dirty="0"/>
+              <a:t>Sample output of the example</a:t>
+            </a:r>
+          </a:p>
+        </p:txBody>
+      </p:sp>
+      <p:pic>
+        <p:nvPicPr>
+          <p:cNvPr id="17" name="Content Placeholder 3">
+            <a:extLst>
+              <a:ext uri="{FF2B5EF4-FFF2-40B4-BE49-F238E27FC236}">
+                <a16:creationId xmlns:a16="http://schemas.microsoft.com/office/drawing/2014/main" id="{7D8EE2AF-BD9C-4405-A16D-CA24D51F7097}"/>
+              </a:ext>
+            </a:extLst>
+          </p:cNvPr>
+          <p:cNvPicPr>
+            <a:picLocks noChangeAspect="1"/>
+          </p:cNvPicPr>
+          <p:nvPr/>
+        </p:nvPicPr>
+        <p:blipFill>
+          <a:blip r:embed="rId2"/>
+          <a:stretch>
+            <a:fillRect/>
+          </a:stretch>
+        </p:blipFill>
+        <p:spPr>
+          <a:xfrm>
+            <a:off x="4672103" y="4306907"/>
+            <a:ext cx="6883071" cy="963630"/>
+          </a:xfrm>
+          <a:prstGeom prst="rect">
+            <a:avLst/>
+          </a:prstGeom>
+          <a:ln w="31750" cap="sq">
+            <a:solidFill>
+              <a:srgbClr val="FFFFFF"/>
+            </a:solidFill>
+            <a:miter lim="800000"/>
+          </a:ln>
+        </p:spPr>
+      </p:pic>
+    </p:spTree>
+    <p:extLst>
+      <p:ext uri="{BB962C8B-B14F-4D97-AF65-F5344CB8AC3E}">
+        <p14:creationId xmlns:p14="http://schemas.microsoft.com/office/powerpoint/2010/main" val="2904157913"/>
+      </p:ext>
+    </p:extLst>
+  </p:cSld>
+  <p:clrMapOvr>
+    <a:masterClrMapping/>
+  </p:clrMapOvr>
+</p:sld>
+</file>
+
+<file path=ppt/slides/slide11.xml><?xml version="1.0" encoding="utf-8"?>
+<p:sld xmlns:a="http://schemas.openxmlformats.org/drawingml/2006/main" xmlns:r="http://schemas.openxmlformats.org/officeDocument/2006/relationships" xmlns:p="http://schemas.openxmlformats.org/presentationml/2006/main">
+  <p:cSld>
+    <p:spTree>
+      <p:nvGrpSpPr>
+        <p:cNvPr id="1" name=""/>
+        <p:cNvGrpSpPr/>
+        <p:nvPr/>
+      </p:nvGrpSpPr>
+      <p:grpSpPr>
+        <a:xfrm>
+          <a:off x="0" y="0"/>
+          <a:ext cx="0" cy="0"/>
+          <a:chOff x="0" y="0"/>
+          <a:chExt cx="0" cy="0"/>
+        </a:xfrm>
+      </p:grpSpPr>
+      <p:sp>
+        <p:nvSpPr>
+          <p:cNvPr id="2" name="Title 1">
+            <a:extLst>
+              <a:ext uri="{FF2B5EF4-FFF2-40B4-BE49-F238E27FC236}">
                 <a16:creationId xmlns:a16="http://schemas.microsoft.com/office/drawing/2014/main" id="{4CFA72FD-D55C-42CC-9582-218B00EFDF84}"/>
               </a:ext>
             </a:extLst>
@@ -3380,7 +3528,7 @@
           <a:p>
             <a:r>
               <a:rPr lang="en-US" dirty="0"/>
-              <a:t>Communication using service should be used for small and fast tasks as it may delay/stop the whole process from running</a:t>
+              <a:t>Communication using service should be used for small and fast tasks as it delay/stop the whole process from running</a:t>
             </a:r>
           </a:p>
           <a:p>
@@ -4171,6 +4319,16 @@
 <file path=ppt/slides/slide6.xml><?xml version="1.0" encoding="utf-8"?>
 <p:sld xmlns:a="http://schemas.openxmlformats.org/drawingml/2006/main" xmlns:r="http://schemas.openxmlformats.org/officeDocument/2006/relationships" xmlns:p="http://schemas.openxmlformats.org/presentationml/2006/main">
   <p:cSld>
+    <p:bg>
+      <p:bgPr>
+        <a:solidFill>
+          <a:schemeClr val="bg1">
+            <a:lumMod val="95000"/>
+          </a:schemeClr>
+        </a:solidFill>
+        <a:effectLst/>
+      </p:bgPr>
+    </p:bg>
     <p:spTree>
       <p:nvGrpSpPr>
         <p:cNvPr id="1" name=""/>
@@ -4201,15 +4359,23 @@
             <p:ph type="title"/>
           </p:nvPr>
         </p:nvSpPr>
-        <p:spPr/>
-        <p:txBody>
-          <a:bodyPr/>
-          <a:lstStyle/>
-          <a:p>
-            <a:r>
-              <a:rPr lang="en-US" dirty="0"/>
+        <p:spPr>
+          <a:xfrm>
+            <a:off x="804672" y="964692"/>
+            <a:ext cx="3066937" cy="1188720"/>
+          </a:xfrm>
+        </p:spPr>
+        <p:txBody>
+          <a:bodyPr>
+            <a:normAutofit/>
+          </a:bodyPr>
+          <a:lstStyle/>
+          <a:p>
+            <a:r>
+              <a:rPr lang="en-US"/>
               <a:t>Server</a:t>
             </a:r>
+            <a:endParaRPr lang="en-US" dirty="0"/>
           </a:p>
         </p:txBody>
       </p:sp>
@@ -4229,18 +4395,194 @@
             <p:ph idx="1"/>
           </p:nvPr>
         </p:nvSpPr>
-        <p:spPr/>
-        <p:txBody>
-          <a:bodyPr/>
-          <a:lstStyle/>
-          <a:p>
-            <a:r>
-              <a:rPr lang="en-US" dirty="0"/>
-              <a:t>Server goes here</a:t>
-            </a:r>
-          </a:p>
-        </p:txBody>
-      </p:sp>
+        <p:spPr>
+          <a:xfrm>
+            <a:off x="803244" y="2638044"/>
+            <a:ext cx="3063765" cy="3263206"/>
+          </a:xfrm>
+        </p:spPr>
+        <p:txBody>
+          <a:bodyPr>
+            <a:normAutofit/>
+          </a:bodyPr>
+          <a:lstStyle/>
+          <a:p>
+            <a:r>
+              <a:rPr lang="en-US" dirty="0"/>
+              <a:t>Here is an example of a server</a:t>
+            </a:r>
+          </a:p>
+          <a:p>
+            <a:r>
+              <a:rPr lang="en-US" dirty="0"/>
+              <a:t>The server advertise its service, then wait for a client (ros::spin();)</a:t>
+            </a:r>
+          </a:p>
+          <a:p>
+            <a:r>
+              <a:rPr lang="en-US" dirty="0"/>
+              <a:t>Once a client calls, it goes to the callback function, work on the respond and return a bool, signifying a success call.</a:t>
+            </a:r>
+          </a:p>
+        </p:txBody>
+      </p:sp>
+      <p:sp>
+        <p:nvSpPr>
+          <p:cNvPr id="9" name="Rectangle 8">
+            <a:extLst>
+              <a:ext uri="{FF2B5EF4-FFF2-40B4-BE49-F238E27FC236}">
+                <a16:creationId xmlns:a16="http://schemas.microsoft.com/office/drawing/2014/main" id="{6515FC82-3453-4CBE-8895-4CCFF339529E}"/>
+              </a:ext>
+              <a:ext uri="{C183D7F6-B498-43B3-948B-1728B52AA6E4}">
+                <adec:decorative xmlns:adec="http://schemas.microsoft.com/office/drawing/2017/decorative" val="1"/>
+              </a:ext>
+            </a:extLst>
+          </p:cNvPr>
+          <p:cNvSpPr>
+            <a:spLocks noGrp="1" noRot="1" noChangeAspect="1" noMove="1" noResize="1" noEditPoints="1" noAdjustHandles="1" noChangeArrowheads="1" noChangeShapeType="1" noTextEdit="1"/>
+          </p:cNvSpPr>
+          <p:nvPr>
+            <p:extLst>
+              <p:ext uri="{386F3935-93C4-4BCD-93E2-E3B085C9AB24}">
+                <p16:designElem xmlns:p16="http://schemas.microsoft.com/office/powerpoint/2015/main" val="1"/>
+              </p:ext>
+            </p:extLst>
+          </p:nvPr>
+        </p:nvSpPr>
+        <p:spPr>
+          <a:xfrm>
+            <a:off x="4494182" y="964692"/>
+            <a:ext cx="6885432" cy="4936558"/>
+          </a:xfrm>
+          <a:prstGeom prst="rect">
+            <a:avLst/>
+          </a:prstGeom>
+          <a:noFill/>
+          <a:ln w="31750" cap="sq">
+            <a:solidFill>
+              <a:srgbClr val="FFFFFF"/>
+            </a:solidFill>
+            <a:miter lim="800000"/>
+          </a:ln>
+        </p:spPr>
+        <p:style>
+          <a:lnRef idx="2">
+            <a:schemeClr val="accent1">
+              <a:shade val="50000"/>
+            </a:schemeClr>
+          </a:lnRef>
+          <a:fillRef idx="1">
+            <a:schemeClr val="accent1"/>
+          </a:fillRef>
+          <a:effectRef idx="0">
+            <a:schemeClr val="accent1"/>
+          </a:effectRef>
+          <a:fontRef idx="minor">
+            <a:schemeClr val="lt1"/>
+          </a:fontRef>
+        </p:style>
+        <p:txBody>
+          <a:bodyPr rtlCol="0" anchor="ctr"/>
+          <a:lstStyle/>
+          <a:p>
+            <a:pPr algn="ctr"/>
+            <a:endParaRPr lang="en-US" dirty="0"/>
+          </a:p>
+        </p:txBody>
+      </p:sp>
+      <p:sp>
+        <p:nvSpPr>
+          <p:cNvPr id="11" name="Rectangle 10">
+            <a:extLst>
+              <a:ext uri="{FF2B5EF4-FFF2-40B4-BE49-F238E27FC236}">
+                <a16:creationId xmlns:a16="http://schemas.microsoft.com/office/drawing/2014/main" id="{C5FD847B-65C0-4027-8DFC-70CB424514F8}"/>
+              </a:ext>
+              <a:ext uri="{C183D7F6-B498-43B3-948B-1728B52AA6E4}">
+                <adec:decorative xmlns:adec="http://schemas.microsoft.com/office/drawing/2017/decorative" val="1"/>
+              </a:ext>
+            </a:extLst>
+          </p:cNvPr>
+          <p:cNvSpPr>
+            <a:spLocks noGrp="1" noRot="1" noChangeAspect="1" noMove="1" noResize="1" noEditPoints="1" noAdjustHandles="1" noChangeArrowheads="1" noChangeShapeType="1" noTextEdit="1"/>
+          </p:cNvSpPr>
+          <p:nvPr>
+            <p:extLst>
+              <p:ext uri="{386F3935-93C4-4BCD-93E2-E3B085C9AB24}">
+                <p16:designElem xmlns:p16="http://schemas.microsoft.com/office/powerpoint/2015/main" val="1"/>
+              </p:ext>
+            </p:extLst>
+          </p:nvPr>
+        </p:nvSpPr>
+        <p:spPr>
+          <a:xfrm>
+            <a:off x="4657802" y="1128683"/>
+            <a:ext cx="6558192" cy="4608576"/>
+          </a:xfrm>
+          <a:prstGeom prst="rect">
+            <a:avLst/>
+          </a:prstGeom>
+          <a:solidFill>
+            <a:srgbClr val="FFFFFF"/>
+          </a:solidFill>
+          <a:ln>
+            <a:noFill/>
+          </a:ln>
+        </p:spPr>
+        <p:style>
+          <a:lnRef idx="2">
+            <a:schemeClr val="accent1">
+              <a:shade val="50000"/>
+            </a:schemeClr>
+          </a:lnRef>
+          <a:fillRef idx="1">
+            <a:schemeClr val="accent1"/>
+          </a:fillRef>
+          <a:effectRef idx="0">
+            <a:schemeClr val="accent1"/>
+          </a:effectRef>
+          <a:fontRef idx="minor">
+            <a:schemeClr val="lt1"/>
+          </a:fontRef>
+        </p:style>
+        <p:txBody>
+          <a:bodyPr rtlCol="0" anchor="ctr"/>
+          <a:lstStyle/>
+          <a:p>
+            <a:pPr algn="ctr"/>
+            <a:endParaRPr lang="en-US"/>
+          </a:p>
+        </p:txBody>
+      </p:sp>
+      <p:pic>
+        <p:nvPicPr>
+          <p:cNvPr id="4" name="Picture 3">
+            <a:extLst>
+              <a:ext uri="{FF2B5EF4-FFF2-40B4-BE49-F238E27FC236}">
+                <a16:creationId xmlns:a16="http://schemas.microsoft.com/office/drawing/2014/main" id="{D2890FB1-BADB-415C-AC4C-A160ECCE66D4}"/>
+              </a:ext>
+            </a:extLst>
+          </p:cNvPr>
+          <p:cNvPicPr>
+            <a:picLocks noChangeAspect="1"/>
+          </p:cNvPicPr>
+          <p:nvPr/>
+        </p:nvPicPr>
+        <p:blipFill>
+          <a:blip r:embed="rId2"/>
+          <a:stretch>
+            <a:fillRect/>
+          </a:stretch>
+        </p:blipFill>
+        <p:spPr>
+          <a:xfrm>
+            <a:off x="4823366" y="1489350"/>
+            <a:ext cx="6227064" cy="3887242"/>
+          </a:xfrm>
+          <a:prstGeom prst="rect">
+            <a:avLst/>
+          </a:prstGeom>
+        </p:spPr>
+      </p:pic>
     </p:spTree>
     <p:extLst>
       <p:ext uri="{BB962C8B-B14F-4D97-AF65-F5344CB8AC3E}">
@@ -4257,6 +4599,16 @@
 <file path=ppt/slides/slide7.xml><?xml version="1.0" encoding="utf-8"?>
 <p:sld xmlns:a="http://schemas.openxmlformats.org/drawingml/2006/main" xmlns:r="http://schemas.openxmlformats.org/officeDocument/2006/relationships" xmlns:p="http://schemas.openxmlformats.org/presentationml/2006/main">
   <p:cSld>
+    <p:bg>
+      <p:bgPr>
+        <a:solidFill>
+          <a:schemeClr val="bg1">
+            <a:lumMod val="95000"/>
+          </a:schemeClr>
+        </a:solidFill>
+        <a:effectLst/>
+      </p:bgPr>
+    </p:bg>
     <p:spTree>
       <p:nvGrpSpPr>
         <p:cNvPr id="1" name=""/>
@@ -4287,9 +4639,16 @@
             <p:ph type="title"/>
           </p:nvPr>
         </p:nvSpPr>
-        <p:spPr/>
-        <p:txBody>
-          <a:bodyPr/>
+        <p:spPr>
+          <a:xfrm>
+            <a:off x="804672" y="964692"/>
+            <a:ext cx="3066937" cy="1188720"/>
+          </a:xfrm>
+        </p:spPr>
+        <p:txBody>
+          <a:bodyPr>
+            <a:normAutofit/>
+          </a:bodyPr>
           <a:lstStyle/>
           <a:p>
             <a:r>
@@ -4315,18 +4674,194 @@
             <p:ph idx="1"/>
           </p:nvPr>
         </p:nvSpPr>
-        <p:spPr/>
-        <p:txBody>
-          <a:bodyPr/>
-          <a:lstStyle/>
-          <a:p>
-            <a:r>
-              <a:rPr lang="en-US" dirty="0"/>
-              <a:t>Client goes here</a:t>
-            </a:r>
-          </a:p>
-        </p:txBody>
-      </p:sp>
+        <p:spPr>
+          <a:xfrm>
+            <a:off x="803244" y="2638044"/>
+            <a:ext cx="3063765" cy="3263206"/>
+          </a:xfrm>
+        </p:spPr>
+        <p:txBody>
+          <a:bodyPr>
+            <a:normAutofit/>
+          </a:bodyPr>
+          <a:lstStyle/>
+          <a:p>
+            <a:r>
+              <a:rPr lang="en-US" dirty="0"/>
+              <a:t>Here is an example of a client</a:t>
+            </a:r>
+          </a:p>
+          <a:p>
+            <a:r>
+              <a:rPr lang="en-US" dirty="0"/>
+              <a:t>The client setup the respond, then call for the service</a:t>
+            </a:r>
+          </a:p>
+          <a:p>
+            <a:r>
+              <a:rPr lang="en-US" dirty="0"/>
+              <a:t>If the connection is successful, the client will then work with the respond</a:t>
+            </a:r>
+          </a:p>
+        </p:txBody>
+      </p:sp>
+      <p:sp>
+        <p:nvSpPr>
+          <p:cNvPr id="9" name="Rectangle 8">
+            <a:extLst>
+              <a:ext uri="{FF2B5EF4-FFF2-40B4-BE49-F238E27FC236}">
+                <a16:creationId xmlns:a16="http://schemas.microsoft.com/office/drawing/2014/main" id="{6515FC82-3453-4CBE-8895-4CCFF339529E}"/>
+              </a:ext>
+              <a:ext uri="{C183D7F6-B498-43B3-948B-1728B52AA6E4}">
+                <adec:decorative xmlns:adec="http://schemas.microsoft.com/office/drawing/2017/decorative" val="1"/>
+              </a:ext>
+            </a:extLst>
+          </p:cNvPr>
+          <p:cNvSpPr>
+            <a:spLocks noGrp="1" noRot="1" noChangeAspect="1" noMove="1" noResize="1" noEditPoints="1" noAdjustHandles="1" noChangeArrowheads="1" noChangeShapeType="1" noTextEdit="1"/>
+          </p:cNvSpPr>
+          <p:nvPr>
+            <p:extLst>
+              <p:ext uri="{386F3935-93C4-4BCD-93E2-E3B085C9AB24}">
+                <p16:designElem xmlns:p16="http://schemas.microsoft.com/office/powerpoint/2015/main" val="1"/>
+              </p:ext>
+            </p:extLst>
+          </p:nvPr>
+        </p:nvSpPr>
+        <p:spPr>
+          <a:xfrm>
+            <a:off x="4494182" y="964692"/>
+            <a:ext cx="6885432" cy="4936558"/>
+          </a:xfrm>
+          <a:prstGeom prst="rect">
+            <a:avLst/>
+          </a:prstGeom>
+          <a:noFill/>
+          <a:ln w="31750" cap="sq">
+            <a:solidFill>
+              <a:srgbClr val="FFFFFF"/>
+            </a:solidFill>
+            <a:miter lim="800000"/>
+          </a:ln>
+        </p:spPr>
+        <p:style>
+          <a:lnRef idx="2">
+            <a:schemeClr val="accent1">
+              <a:shade val="50000"/>
+            </a:schemeClr>
+          </a:lnRef>
+          <a:fillRef idx="1">
+            <a:schemeClr val="accent1"/>
+          </a:fillRef>
+          <a:effectRef idx="0">
+            <a:schemeClr val="accent1"/>
+          </a:effectRef>
+          <a:fontRef idx="minor">
+            <a:schemeClr val="lt1"/>
+          </a:fontRef>
+        </p:style>
+        <p:txBody>
+          <a:bodyPr rtlCol="0" anchor="ctr"/>
+          <a:lstStyle/>
+          <a:p>
+            <a:pPr algn="ctr"/>
+            <a:endParaRPr lang="en-US" dirty="0"/>
+          </a:p>
+        </p:txBody>
+      </p:sp>
+      <p:sp>
+        <p:nvSpPr>
+          <p:cNvPr id="11" name="Rectangle 10">
+            <a:extLst>
+              <a:ext uri="{FF2B5EF4-FFF2-40B4-BE49-F238E27FC236}">
+                <a16:creationId xmlns:a16="http://schemas.microsoft.com/office/drawing/2014/main" id="{C5FD847B-65C0-4027-8DFC-70CB424514F8}"/>
+              </a:ext>
+              <a:ext uri="{C183D7F6-B498-43B3-948B-1728B52AA6E4}">
+                <adec:decorative xmlns:adec="http://schemas.microsoft.com/office/drawing/2017/decorative" val="1"/>
+              </a:ext>
+            </a:extLst>
+          </p:cNvPr>
+          <p:cNvSpPr>
+            <a:spLocks noGrp="1" noRot="1" noChangeAspect="1" noMove="1" noResize="1" noEditPoints="1" noAdjustHandles="1" noChangeArrowheads="1" noChangeShapeType="1" noTextEdit="1"/>
+          </p:cNvSpPr>
+          <p:nvPr>
+            <p:extLst>
+              <p:ext uri="{386F3935-93C4-4BCD-93E2-E3B085C9AB24}">
+                <p16:designElem xmlns:p16="http://schemas.microsoft.com/office/powerpoint/2015/main" val="1"/>
+              </p:ext>
+            </p:extLst>
+          </p:nvPr>
+        </p:nvSpPr>
+        <p:spPr>
+          <a:xfrm>
+            <a:off x="4657802" y="1128683"/>
+            <a:ext cx="6558192" cy="4608576"/>
+          </a:xfrm>
+          <a:prstGeom prst="rect">
+            <a:avLst/>
+          </a:prstGeom>
+          <a:solidFill>
+            <a:srgbClr val="FFFFFF"/>
+          </a:solidFill>
+          <a:ln>
+            <a:noFill/>
+          </a:ln>
+        </p:spPr>
+        <p:style>
+          <a:lnRef idx="2">
+            <a:schemeClr val="accent1">
+              <a:shade val="50000"/>
+            </a:schemeClr>
+          </a:lnRef>
+          <a:fillRef idx="1">
+            <a:schemeClr val="accent1"/>
+          </a:fillRef>
+          <a:effectRef idx="0">
+            <a:schemeClr val="accent1"/>
+          </a:effectRef>
+          <a:fontRef idx="minor">
+            <a:schemeClr val="lt1"/>
+          </a:fontRef>
+        </p:style>
+        <p:txBody>
+          <a:bodyPr rtlCol="0" anchor="ctr"/>
+          <a:lstStyle/>
+          <a:p>
+            <a:pPr algn="ctr"/>
+            <a:endParaRPr lang="en-US"/>
+          </a:p>
+        </p:txBody>
+      </p:sp>
+      <p:pic>
+        <p:nvPicPr>
+          <p:cNvPr id="4" name="Picture 3">
+            <a:extLst>
+              <a:ext uri="{FF2B5EF4-FFF2-40B4-BE49-F238E27FC236}">
+                <a16:creationId xmlns:a16="http://schemas.microsoft.com/office/drawing/2014/main" id="{4E3EE656-0499-45FA-A9B7-C498DF9654AD}"/>
+              </a:ext>
+            </a:extLst>
+          </p:cNvPr>
+          <p:cNvPicPr>
+            <a:picLocks noChangeAspect="1"/>
+          </p:cNvPicPr>
+          <p:nvPr/>
+        </p:nvPicPr>
+        <p:blipFill>
+          <a:blip r:embed="rId2"/>
+          <a:stretch>
+            <a:fillRect/>
+          </a:stretch>
+        </p:blipFill>
+        <p:spPr>
+          <a:xfrm>
+            <a:off x="4823366" y="1440310"/>
+            <a:ext cx="6227064" cy="3985321"/>
+          </a:xfrm>
+          <a:prstGeom prst="rect">
+            <a:avLst/>
+          </a:prstGeom>
+        </p:spPr>
+      </p:pic>
     </p:spTree>
     <p:extLst>
       <p:ext uri="{BB962C8B-B14F-4D97-AF65-F5344CB8AC3E}">
@@ -4468,16 +5003,6 @@
           <a:p>
             <a:pPr lvl="1"/>
             <a:r>
-              <a:rPr lang="en-US" altLang="en-US" dirty="0" err="1">
-                <a:solidFill>
-                  <a:srgbClr val="333333"/>
-                </a:solidFill>
-                <a:latin typeface="Courier New" panose="02070309020205020404" pitchFamily="49" charset="0"/>
-                <a:cs typeface="Courier New" panose="02070309020205020404" pitchFamily="49" charset="0"/>
-              </a:rPr>
-              <a:t>add_server_files</a:t>
-            </a:r>
-            <a:r>
               <a:rPr lang="en-US" altLang="en-US" dirty="0">
                 <a:solidFill>
                   <a:srgbClr val="333333"/>
@@ -4485,14 +5010,28 @@
                 <a:latin typeface="Courier New" panose="02070309020205020404" pitchFamily="49" charset="0"/>
                 <a:cs typeface="Courier New" panose="02070309020205020404" pitchFamily="49" charset="0"/>
               </a:rPr>
-              <a:t>(</a:t>
+              <a:t>add_server_files(</a:t>
             </a:r>
             <a:r>
               <a:rPr lang="en-US" dirty="0">
                 <a:latin typeface="Courier New" panose="02070309020205020404" pitchFamily="49" charset="0"/>
                 <a:cs typeface="Courier New" panose="02070309020205020404" pitchFamily="49" charset="0"/>
               </a:rPr>
-              <a:t>DIRECTORY msg FILES ID.msg)</a:t>
+              <a:t>DIRECTORY msg FILES </a:t>
+            </a:r>
+            <a:r>
+              <a:rPr lang="en-US" dirty="0" err="1">
+                <a:latin typeface="Courier New" panose="02070309020205020404" pitchFamily="49" charset="0"/>
+                <a:cs typeface="Courier New" panose="02070309020205020404" pitchFamily="49" charset="0"/>
+              </a:rPr>
+              <a:t>WordCount.srv</a:t>
+            </a:r>
+            <a:r>
+              <a:rPr lang="en-US" dirty="0">
+                <a:latin typeface="Courier New" panose="02070309020205020404" pitchFamily="49" charset="0"/>
+                <a:cs typeface="Courier New" panose="02070309020205020404" pitchFamily="49" charset="0"/>
+              </a:rPr>
+              <a:t>)</a:t>
             </a:r>
             <a:endParaRPr lang="en-US" altLang="en-US" dirty="0">
               <a:solidFill>
@@ -4584,7 +5123,47 @@
                 <a:latin typeface="Courier New" panose="02070309020205020404" pitchFamily="49" charset="0"/>
                 <a:cs typeface="Courier New" panose="02070309020205020404" pitchFamily="49" charset="0"/>
               </a:rPr>
-              <a:t>&lt;run_depend&gt;message_runtime&lt;/run_depend&gt; </a:t>
+              <a:t>&lt;exec_depend&gt;</a:t>
+            </a:r>
+            <a:r>
+              <a:rPr lang="en-US" altLang="en-US" dirty="0" err="1">
+                <a:solidFill>
+                  <a:srgbClr val="333333"/>
+                </a:solidFill>
+                <a:latin typeface="Courier New" panose="02070309020205020404" pitchFamily="49" charset="0"/>
+                <a:cs typeface="Courier New" panose="02070309020205020404" pitchFamily="49" charset="0"/>
+              </a:rPr>
+              <a:t>message_runtime</a:t>
+            </a:r>
+            <a:r>
+              <a:rPr lang="en-US" altLang="en-US" dirty="0">
+                <a:solidFill>
+                  <a:srgbClr val="333333"/>
+                </a:solidFill>
+                <a:latin typeface="Courier New" panose="02070309020205020404" pitchFamily="49" charset="0"/>
+                <a:cs typeface="Courier New" panose="02070309020205020404" pitchFamily="49" charset="0"/>
+              </a:rPr>
+              <a:t>&lt;/</a:t>
+            </a:r>
+            <a:r>
+              <a:rPr lang="en-US" altLang="en-US" dirty="0" err="1">
+                <a:solidFill>
+                  <a:srgbClr val="333333"/>
+                </a:solidFill>
+                <a:latin typeface="Courier New" panose="02070309020205020404" pitchFamily="49" charset="0"/>
+                <a:cs typeface="Courier New" panose="02070309020205020404" pitchFamily="49" charset="0"/>
+              </a:rPr>
+              <a:t>exec_depend</a:t>
+            </a:r>
+            <a:r>
+              <a:rPr lang="en-US" altLang="en-US" dirty="0">
+                <a:solidFill>
+                  <a:srgbClr val="333333"/>
+                </a:solidFill>
+                <a:latin typeface="Courier New" panose="02070309020205020404" pitchFamily="49" charset="0"/>
+                <a:cs typeface="Courier New" panose="02070309020205020404" pitchFamily="49" charset="0"/>
+              </a:rPr>
+              <a:t>&gt; </a:t>
             </a:r>
           </a:p>
         </p:txBody>
